--- a/基础PPT/第0b章：Java编程入门.pptx
+++ b/基础PPT/第0b章：Java编程入门.pptx
@@ -7652,7 +7652,7 @@
         </p:nvSpPr>
         <p:spPr>
           <a:xfrm>
-            <a:off x="8709025" y="4423410"/>
+            <a:off x="7825740" y="4486910"/>
             <a:ext cx="1302385" cy="828675"/>
           </a:xfrm>
           <a:prstGeom prst="wedgeEllipseCallout">
@@ -7775,6 +7775,35 @@
             <a:r>
               <a:rPr lang="zh-CN" altLang="en-US"/>
               <a:t>物联网</a:t>
+            </a:r>
+            <a:endParaRPr lang="zh-CN" altLang="en-US"/>
+          </a:p>
+        </p:txBody>
+      </p:sp>
+      <p:sp>
+        <p:nvSpPr>
+          <p:cNvPr id="4" name="文本框 3"/>
+          <p:cNvSpPr txBox="1"/>
+          <p:nvPr/>
+        </p:nvSpPr>
+        <p:spPr>
+          <a:xfrm>
+            <a:off x="9008745" y="5249545"/>
+            <a:ext cx="1558925" cy="368300"/>
+          </a:xfrm>
+          <a:prstGeom prst="rect">
+            <a:avLst/>
+          </a:prstGeom>
+          <a:noFill/>
+        </p:spPr>
+        <p:txBody>
+          <a:bodyPr wrap="square" rtlCol="0">
+            <a:spAutoFit/>
+          </a:bodyPr>
+          <a:p>
+            <a:r>
+              <a:rPr lang="zh-CN" altLang="en-US"/>
+              <a:t>人工智能</a:t>
             </a:r>
             <a:endParaRPr lang="zh-CN" altLang="en-US"/>
           </a:p>
